--- a/Slides/intro_wuggles.pptx
+++ b/Slides/intro_wuggles.pptx
@@ -5,10 +5,11 @@
     <p:sldMasterId id="2147483648" r:id="rId1"/>
   </p:sldMasterIdLst>
   <p:notesMasterIdLst>
-    <p:notesMasterId r:id="rId3"/>
+    <p:notesMasterId r:id="rId4"/>
   </p:notesMasterIdLst>
   <p:sldIdLst>
-    <p:sldId id="256" r:id="rId2"/>
+    <p:sldId id="257" r:id="rId2"/>
+    <p:sldId id="256" r:id="rId3"/>
   </p:sldIdLst>
   <p:sldSz cx="12192000" cy="6858000"/>
   <p:notesSz cx="6858000" cy="9144000"/>
@@ -208,7 +209,7 @@
           <a:p>
             <a:fld id="{BFBA01F9-B4FB-D445-BB20-08710756ED7C}" type="datetimeFigureOut">
               <a:rPr lang="en-US" smtClean="0"/>
-              <a:t>1/27/24</a:t>
+              <a:t>1/30/24</a:t>
             </a:fld>
             <a:endParaRPr lang="en-US"/>
           </a:p>
@@ -528,7 +529,7 @@
               </a:spcAft>
             </a:pPr>
             <a:r>
-              <a:rPr lang="en-US" sz="1800" kern="100" dirty="0">
+              <a:rPr lang="en-US" sz="1200" kern="100" dirty="0">
                 <a:effectLst/>
                 <a:latin typeface="Calibri" panose="020F0502020204030204" pitchFamily="34" charset="0"/>
                 <a:ea typeface="Calibri" panose="020F0502020204030204" pitchFamily="34" charset="0"/>
@@ -547,7 +548,7 @@
               </a:spcAft>
             </a:pPr>
             <a:r>
-              <a:rPr lang="en-US" sz="1800" kern="100" dirty="0">
+              <a:rPr lang="en-US" sz="1200" kern="100" dirty="0">
                 <a:effectLst/>
                 <a:latin typeface="Calibri" panose="020F0502020204030204" pitchFamily="34" charset="0"/>
                 <a:ea typeface="Calibri" panose="020F0502020204030204" pitchFamily="34" charset="0"/>
@@ -566,7 +567,7 @@
               </a:spcAft>
             </a:pPr>
             <a:r>
-              <a:rPr lang="en-US" sz="1800" kern="100" dirty="0">
+              <a:rPr lang="en-US" sz="1200" kern="100" dirty="0">
                 <a:effectLst/>
                 <a:latin typeface="Calibri" panose="020F0502020204030204" pitchFamily="34" charset="0"/>
                 <a:ea typeface="Calibri" panose="020F0502020204030204" pitchFamily="34" charset="0"/>
@@ -575,6 +576,90 @@
               <a:t>In the real game, you won’t be looking at pictures of human people. </a:t>
             </a:r>
           </a:p>
+          <a:p>
+            <a:endParaRPr lang="en-US" dirty="0"/>
+          </a:p>
+        </p:txBody>
+      </p:sp>
+      <p:sp>
+        <p:nvSpPr>
+          <p:cNvPr id="4" name="Slide Number Placeholder 3"/>
+          <p:cNvSpPr>
+            <a:spLocks noGrp="1"/>
+          </p:cNvSpPr>
+          <p:nvPr>
+            <p:ph type="sldNum" sz="quarter" idx="5"/>
+          </p:nvPr>
+        </p:nvSpPr>
+        <p:spPr/>
+        <p:txBody>
+          <a:bodyPr/>
+          <a:lstStyle/>
+          <a:p>
+            <a:fld id="{2815A12F-0C91-884D-8811-637618865DBA}" type="slidenum">
+              <a:rPr lang="en-US" smtClean="0"/>
+              <a:t>1</a:t>
+            </a:fld>
+            <a:endParaRPr lang="en-US"/>
+          </a:p>
+        </p:txBody>
+      </p:sp>
+    </p:spTree>
+    <p:extLst>
+      <p:ext uri="{BB962C8B-B14F-4D97-AF65-F5344CB8AC3E}">
+        <p14:creationId xmlns:p14="http://schemas.microsoft.com/office/powerpoint/2010/main" val="503714590"/>
+      </p:ext>
+    </p:extLst>
+  </p:cSld>
+  <p:clrMapOvr>
+    <a:masterClrMapping/>
+  </p:clrMapOvr>
+</p:notes>
+</file>
+
+<file path=ppt/notesSlides/notesSlide2.xml><?xml version="1.0" encoding="utf-8"?>
+<p:notes xmlns:a="http://schemas.openxmlformats.org/drawingml/2006/main" xmlns:r="http://schemas.openxmlformats.org/officeDocument/2006/relationships" xmlns:p="http://schemas.openxmlformats.org/presentationml/2006/main">
+  <p:cSld>
+    <p:spTree>
+      <p:nvGrpSpPr>
+        <p:cNvPr id="1" name=""/>
+        <p:cNvGrpSpPr/>
+        <p:nvPr/>
+      </p:nvGrpSpPr>
+      <p:grpSpPr>
+        <a:xfrm>
+          <a:off x="0" y="0"/>
+          <a:ext cx="0" cy="0"/>
+          <a:chOff x="0" y="0"/>
+          <a:chExt cx="0" cy="0"/>
+        </a:xfrm>
+      </p:grpSpPr>
+      <p:sp>
+        <p:nvSpPr>
+          <p:cNvPr id="2" name="Slide Image Placeholder 1"/>
+          <p:cNvSpPr>
+            <a:spLocks noGrp="1" noRot="1" noChangeAspect="1"/>
+          </p:cNvSpPr>
+          <p:nvPr>
+            <p:ph type="sldImg"/>
+          </p:nvPr>
+        </p:nvSpPr>
+        <p:spPr/>
+      </p:sp>
+      <p:sp>
+        <p:nvSpPr>
+          <p:cNvPr id="3" name="Notes Placeholder 2"/>
+          <p:cNvSpPr>
+            <a:spLocks noGrp="1"/>
+          </p:cNvSpPr>
+          <p:nvPr>
+            <p:ph type="body" idx="1"/>
+          </p:nvPr>
+        </p:nvSpPr>
+        <p:spPr/>
+        <p:txBody>
+          <a:bodyPr/>
+          <a:lstStyle/>
           <a:p>
             <a:pPr marL="0" marR="0">
               <a:spcBef>
@@ -591,7 +676,7 @@
                 <a:ea typeface="Calibri" panose="020F0502020204030204" pitchFamily="34" charset="0"/>
                 <a:cs typeface="Times New Roman" panose="02020603050405020304" pitchFamily="18" charset="0"/>
               </a:rPr>
-              <a:t> </a:t>
+              <a:t> You’ll be looking at pictures of aliens # called Wuggles.</a:t>
             </a:r>
           </a:p>
           <a:p>
@@ -610,7 +695,7 @@
                 <a:ea typeface="Calibri" panose="020F0502020204030204" pitchFamily="34" charset="0"/>
                 <a:cs typeface="Times New Roman" panose="02020603050405020304" pitchFamily="18" charset="0"/>
               </a:rPr>
-              <a:t>You’ll be looking at pictures of aliens called Wuggles. #</a:t>
+              <a:t> </a:t>
             </a:r>
           </a:p>
           <a:p>
@@ -629,7 +714,7 @@
                 <a:ea typeface="Calibri" panose="020F0502020204030204" pitchFamily="34" charset="0"/>
                 <a:cs typeface="Times New Roman" panose="02020603050405020304" pitchFamily="18" charset="0"/>
               </a:rPr>
-              <a:t> </a:t>
+              <a:t>Here’s what you need to know about Wuggles:</a:t>
             </a:r>
           </a:p>
           <a:p>
@@ -648,7 +733,7 @@
                 <a:ea typeface="Calibri" panose="020F0502020204030204" pitchFamily="34" charset="0"/>
                 <a:cs typeface="Times New Roman" panose="02020603050405020304" pitchFamily="18" charset="0"/>
               </a:rPr>
-              <a:t>Here’s what you need to know about Wuggles:</a:t>
+              <a:t> </a:t>
             </a:r>
           </a:p>
           <a:p>
@@ -667,7 +752,7 @@
                 <a:ea typeface="Calibri" panose="020F0502020204030204" pitchFamily="34" charset="0"/>
                 <a:cs typeface="Times New Roman" panose="02020603050405020304" pitchFamily="18" charset="0"/>
               </a:rPr>
-              <a:t> </a:t>
+              <a:t>First, Wuggles live on a faraway planet. #</a:t>
             </a:r>
           </a:p>
           <a:p>
@@ -686,7 +771,7 @@
                 <a:ea typeface="Calibri" panose="020F0502020204030204" pitchFamily="34" charset="0"/>
                 <a:cs typeface="Times New Roman" panose="02020603050405020304" pitchFamily="18" charset="0"/>
               </a:rPr>
-              <a:t>First, Wuggles are friendly aliens that live on a faraway planet. #</a:t>
+              <a:t> </a:t>
             </a:r>
           </a:p>
           <a:p>
@@ -705,7 +790,25 @@
                 <a:ea typeface="Calibri" panose="020F0502020204030204" pitchFamily="34" charset="0"/>
                 <a:cs typeface="Times New Roman" panose="02020603050405020304" pitchFamily="18" charset="0"/>
               </a:rPr>
-              <a:t> </a:t>
+              <a:t>Also, Wuggles can talk! # But they don’t speak the same language we do. They have their own language, </a:t>
+            </a:r>
+            <a:r>
+              <a:rPr lang="en-US" sz="1800" kern="100" dirty="0" err="1">
+                <a:effectLst/>
+                <a:latin typeface="Calibri" panose="020F0502020204030204" pitchFamily="34" charset="0"/>
+                <a:ea typeface="Calibri" panose="020F0502020204030204" pitchFamily="34" charset="0"/>
+                <a:cs typeface="Times New Roman" panose="02020603050405020304" pitchFamily="18" charset="0"/>
+              </a:rPr>
+              <a:t>Wugglese</a:t>
+            </a:r>
+            <a:r>
+              <a:rPr lang="en-US" sz="1800" kern="100" dirty="0">
+                <a:effectLst/>
+                <a:latin typeface="Calibri" panose="020F0502020204030204" pitchFamily="34" charset="0"/>
+                <a:ea typeface="Calibri" panose="020F0502020204030204" pitchFamily="34" charset="0"/>
+                <a:cs typeface="Times New Roman" panose="02020603050405020304" pitchFamily="18" charset="0"/>
+              </a:rPr>
+              <a:t>.</a:t>
             </a:r>
           </a:p>
           <a:p>
@@ -724,25 +827,7 @@
                 <a:ea typeface="Calibri" panose="020F0502020204030204" pitchFamily="34" charset="0"/>
                 <a:cs typeface="Times New Roman" panose="02020603050405020304" pitchFamily="18" charset="0"/>
               </a:rPr>
-              <a:t>Also, Wuggles can talk! # But they don’t speak the same language we do. They have their own language, </a:t>
-            </a:r>
-            <a:r>
-              <a:rPr lang="en-US" sz="1800" kern="100" dirty="0" err="1">
-                <a:effectLst/>
-                <a:latin typeface="Calibri" panose="020F0502020204030204" pitchFamily="34" charset="0"/>
-                <a:ea typeface="Calibri" panose="020F0502020204030204" pitchFamily="34" charset="0"/>
-                <a:cs typeface="Times New Roman" panose="02020603050405020304" pitchFamily="18" charset="0"/>
-              </a:rPr>
-              <a:t>Wugglese</a:t>
-            </a:r>
-            <a:r>
-              <a:rPr lang="en-US" sz="1800" kern="100" dirty="0">
-                <a:effectLst/>
-                <a:latin typeface="Calibri" panose="020F0502020204030204" pitchFamily="34" charset="0"/>
-                <a:ea typeface="Calibri" panose="020F0502020204030204" pitchFamily="34" charset="0"/>
-                <a:cs typeface="Times New Roman" panose="02020603050405020304" pitchFamily="18" charset="0"/>
-              </a:rPr>
-              <a:t>.</a:t>
+              <a:t> </a:t>
             </a:r>
           </a:p>
           <a:p>
@@ -761,26 +846,7 @@
                 <a:ea typeface="Calibri" panose="020F0502020204030204" pitchFamily="34" charset="0"/>
                 <a:cs typeface="Times New Roman" panose="02020603050405020304" pitchFamily="18" charset="0"/>
               </a:rPr>
-              <a:t> </a:t>
-            </a:r>
-          </a:p>
-          <a:p>
-            <a:pPr marL="0" marR="0">
-              <a:spcBef>
-                <a:spcPts val="0"/>
-              </a:spcBef>
-              <a:spcAft>
-                <a:spcPts val="0"/>
-              </a:spcAft>
-            </a:pPr>
-            <a:r>
-              <a:rPr lang="en-US" sz="1800" kern="100" dirty="0">
-                <a:effectLst/>
-                <a:latin typeface="Calibri" panose="020F0502020204030204" pitchFamily="34" charset="0"/>
-                <a:ea typeface="Calibri" panose="020F0502020204030204" pitchFamily="34" charset="0"/>
-                <a:cs typeface="Times New Roman" panose="02020603050405020304" pitchFamily="18" charset="0"/>
-              </a:rPr>
-              <a:t>Finally, Wuggles have feelings, just like us. # But their feelings can look different from our feelings. </a:t>
+              <a:t>Finally, Wuggles have feelings #, just like us. But their feelings can look different from our feelings. </a:t>
             </a:r>
           </a:p>
           <a:p>
@@ -805,7 +871,7 @@
           <a:p>
             <a:fld id="{2815A12F-0C91-884D-8811-637618865DBA}" type="slidenum">
               <a:rPr lang="en-US" smtClean="0"/>
-              <a:t>1</a:t>
+              <a:t>2</a:t>
             </a:fld>
             <a:endParaRPr lang="en-US"/>
           </a:p>
@@ -971,7 +1037,7 @@
           <a:p>
             <a:fld id="{223DD1A5-8644-0449-83CE-E1150942F954}" type="datetimeFigureOut">
               <a:rPr lang="en-US" smtClean="0"/>
-              <a:t>1/27/24</a:t>
+              <a:t>1/30/24</a:t>
             </a:fld>
             <a:endParaRPr lang="en-US"/>
           </a:p>
@@ -1169,7 +1235,7 @@
           <a:p>
             <a:fld id="{223DD1A5-8644-0449-83CE-E1150942F954}" type="datetimeFigureOut">
               <a:rPr lang="en-US" smtClean="0"/>
-              <a:t>1/27/24</a:t>
+              <a:t>1/30/24</a:t>
             </a:fld>
             <a:endParaRPr lang="en-US"/>
           </a:p>
@@ -1377,7 +1443,7 @@
           <a:p>
             <a:fld id="{223DD1A5-8644-0449-83CE-E1150942F954}" type="datetimeFigureOut">
               <a:rPr lang="en-US" smtClean="0"/>
-              <a:t>1/27/24</a:t>
+              <a:t>1/30/24</a:t>
             </a:fld>
             <a:endParaRPr lang="en-US"/>
           </a:p>
@@ -1575,7 +1641,7 @@
           <a:p>
             <a:fld id="{223DD1A5-8644-0449-83CE-E1150942F954}" type="datetimeFigureOut">
               <a:rPr lang="en-US" smtClean="0"/>
-              <a:t>1/27/24</a:t>
+              <a:t>1/30/24</a:t>
             </a:fld>
             <a:endParaRPr lang="en-US"/>
           </a:p>
@@ -1850,7 +1916,7 @@
           <a:p>
             <a:fld id="{223DD1A5-8644-0449-83CE-E1150942F954}" type="datetimeFigureOut">
               <a:rPr lang="en-US" smtClean="0"/>
-              <a:t>1/27/24</a:t>
+              <a:t>1/30/24</a:t>
             </a:fld>
             <a:endParaRPr lang="en-US"/>
           </a:p>
@@ -2115,7 +2181,7 @@
           <a:p>
             <a:fld id="{223DD1A5-8644-0449-83CE-E1150942F954}" type="datetimeFigureOut">
               <a:rPr lang="en-US" smtClean="0"/>
-              <a:t>1/27/24</a:t>
+              <a:t>1/30/24</a:t>
             </a:fld>
             <a:endParaRPr lang="en-US"/>
           </a:p>
@@ -2527,7 +2593,7 @@
           <a:p>
             <a:fld id="{223DD1A5-8644-0449-83CE-E1150942F954}" type="datetimeFigureOut">
               <a:rPr lang="en-US" smtClean="0"/>
-              <a:t>1/27/24</a:t>
+              <a:t>1/30/24</a:t>
             </a:fld>
             <a:endParaRPr lang="en-US"/>
           </a:p>
@@ -2668,7 +2734,7 @@
           <a:p>
             <a:fld id="{223DD1A5-8644-0449-83CE-E1150942F954}" type="datetimeFigureOut">
               <a:rPr lang="en-US" smtClean="0"/>
-              <a:t>1/27/24</a:t>
+              <a:t>1/30/24</a:t>
             </a:fld>
             <a:endParaRPr lang="en-US"/>
           </a:p>
@@ -2781,7 +2847,7 @@
           <a:p>
             <a:fld id="{223DD1A5-8644-0449-83CE-E1150942F954}" type="datetimeFigureOut">
               <a:rPr lang="en-US" smtClean="0"/>
-              <a:t>1/27/24</a:t>
+              <a:t>1/30/24</a:t>
             </a:fld>
             <a:endParaRPr lang="en-US"/>
           </a:p>
@@ -3092,7 +3158,7 @@
           <a:p>
             <a:fld id="{223DD1A5-8644-0449-83CE-E1150942F954}" type="datetimeFigureOut">
               <a:rPr lang="en-US" smtClean="0"/>
-              <a:t>1/27/24</a:t>
+              <a:t>1/30/24</a:t>
             </a:fld>
             <a:endParaRPr lang="en-US"/>
           </a:p>
@@ -3380,7 +3446,7 @@
           <a:p>
             <a:fld id="{223DD1A5-8644-0449-83CE-E1150942F954}" type="datetimeFigureOut">
               <a:rPr lang="en-US" smtClean="0"/>
-              <a:t>1/27/24</a:t>
+              <a:t>1/30/24</a:t>
             </a:fld>
             <a:endParaRPr lang="en-US"/>
           </a:p>
@@ -3621,7 +3687,7 @@
           <a:p>
             <a:fld id="{223DD1A5-8644-0449-83CE-E1150942F954}" type="datetimeFigureOut">
               <a:rPr lang="en-US" smtClean="0"/>
-              <a:t>1/27/24</a:t>
+              <a:t>1/30/24</a:t>
             </a:fld>
             <a:endParaRPr lang="en-US"/>
           </a:p>
@@ -4040,10 +4106,10 @@
       </p:grpSpPr>
       <p:pic>
         <p:nvPicPr>
-          <p:cNvPr id="6" name="Picture 5">
-            <a:extLst>
-              <a:ext uri="{FF2B5EF4-FFF2-40B4-BE49-F238E27FC236}">
-                <a16:creationId xmlns:a16="http://schemas.microsoft.com/office/drawing/2014/main" id="{DD0C61F1-6A3B-7484-A9E8-9516887075CA}"/>
+          <p:cNvPr id="11" name="Picture 10" descr="A hand and ear with a palm&#10;&#10;Description automatically generated">
+            <a:extLst>
+              <a:ext uri="{FF2B5EF4-FFF2-40B4-BE49-F238E27FC236}">
+                <a16:creationId xmlns:a16="http://schemas.microsoft.com/office/drawing/2014/main" id="{5321A733-EEB2-97D8-F883-2F8AAEED5DDD}"/>
               </a:ext>
             </a:extLst>
           </p:cNvPr>
@@ -4053,7 +4119,217 @@
           <p:nvPr/>
         </p:nvPicPr>
         <p:blipFill>
-          <a:blip r:embed="rId3"/>
+          <a:blip r:embed="rId5">
+            <a:extLst>
+              <a:ext uri="{BEBA8EAE-BF5A-486C-A8C5-ECC9F3942E4B}">
+                <a14:imgProps xmlns:a14="http://schemas.microsoft.com/office/drawing/2010/main">
+                  <a14:imgLayer r:embed="rId6">
+                    <a14:imgEffect>
+                      <a14:colorTemperature colorTemp="4700"/>
+                    </a14:imgEffect>
+                    <a14:imgEffect>
+                      <a14:saturation sat="0"/>
+                    </a14:imgEffect>
+                  </a14:imgLayer>
+                </a14:imgProps>
+              </a:ext>
+              <a:ext uri="{837473B0-CC2E-450A-ABE3-18F120FF3D39}">
+                <a1611:picAttrSrcUrl xmlns:a1611="http://schemas.microsoft.com/office/drawing/2016/11/main" r:id="rId7"/>
+              </a:ext>
+            </a:extLst>
+          </a:blip>
+          <a:stretch>
+            <a:fillRect/>
+          </a:stretch>
+        </p:blipFill>
+        <p:spPr>
+          <a:xfrm>
+            <a:off x="2844800" y="177800"/>
+            <a:ext cx="6502400" cy="6502400"/>
+          </a:xfrm>
+          <a:prstGeom prst="rect">
+            <a:avLst/>
+          </a:prstGeom>
+        </p:spPr>
+      </p:pic>
+      <p:pic>
+        <p:nvPicPr>
+          <p:cNvPr id="16" name="Audio 15">
+            <a:extLst>
+              <a:ext uri="{FF2B5EF4-FFF2-40B4-BE49-F238E27FC236}">
+                <a16:creationId xmlns:a16="http://schemas.microsoft.com/office/drawing/2014/main" id="{F317656E-B9A5-3243-1DE9-DDFB4E4B58D9}"/>
+              </a:ext>
+            </a:extLst>
+          </p:cNvPr>
+          <p:cNvPicPr>
+            <a:picLocks noChangeAspect="1"/>
+          </p:cNvPicPr>
+          <p:nvPr>
+            <a:audioFile r:link="rId2"/>
+            <p:extLst>
+              <p:ext uri="{DAA4B4D4-6D71-4841-9C94-3DE7FCFB9230}">
+                <p14:media xmlns:p14="http://schemas.microsoft.com/office/powerpoint/2010/main" r:embed="rId1"/>
+              </p:ext>
+            </p:extLst>
+          </p:nvPr>
+        </p:nvPicPr>
+        <p:blipFill>
+          <a:blip r:embed="rId8"/>
+          <a:stretch>
+            <a:fillRect/>
+          </a:stretch>
+        </p:blipFill>
+        <p:spPr>
+          <a:xfrm>
+            <a:off x="11226800" y="5892800"/>
+            <a:ext cx="812800" cy="812800"/>
+          </a:xfrm>
+          <a:prstGeom prst="rect">
+            <a:avLst/>
+          </a:prstGeom>
+        </p:spPr>
+      </p:pic>
+    </p:spTree>
+    <p:extLst>
+      <p:ext uri="{BB962C8B-B14F-4D97-AF65-F5344CB8AC3E}">
+        <p14:creationId xmlns:p14="http://schemas.microsoft.com/office/powerpoint/2010/main" val="2973909401"/>
+      </p:ext>
+    </p:extLst>
+  </p:cSld>
+  <p:clrMapOvr>
+    <a:masterClrMapping/>
+  </p:clrMapOvr>
+  <mc:AlternateContent xmlns:mc="http://schemas.openxmlformats.org/markup-compatibility/2006">
+    <mc:Choice xmlns:p14="http://schemas.microsoft.com/office/powerpoint/2010/main" Requires="p14">
+      <p:transition spd="slow" p14:dur="2000" advTm="12906"/>
+    </mc:Choice>
+    <mc:Fallback>
+      <p:transition spd="slow" advTm="12906"/>
+    </mc:Fallback>
+  </mc:AlternateContent>
+  <p:timing>
+    <p:tnLst>
+      <p:par>
+        <p:cTn id="1" dur="indefinite" restart="never" nodeType="tmRoot">
+          <p:childTnLst>
+            <p:seq concurrent="1" nextAc="seek">
+              <p:cTn id="2" dur="indefinite" nodeType="mainSeq">
+                <p:childTnLst>
+                  <p:par>
+                    <p:cTn id="3" fill="hold">
+                      <p:stCondLst>
+                        <p:cond delay="indefinite"/>
+                        <p:cond evt="onBegin" delay="0">
+                          <p:tn val="2"/>
+                        </p:cond>
+                      </p:stCondLst>
+                      <p:childTnLst>
+                        <p:par>
+                          <p:cTn id="4" fill="hold">
+                            <p:stCondLst>
+                              <p:cond delay="0"/>
+                            </p:stCondLst>
+                            <p:childTnLst>
+                              <p:par>
+                                <p:cTn id="5" presetID="1" presetClass="mediacall" presetSubtype="0" fill="hold" nodeType="afterEffect">
+                                  <p:stCondLst>
+                                    <p:cond delay="0"/>
+                                  </p:stCondLst>
+                                  <p:childTnLst>
+                                    <p:cmd type="call" cmd="playFrom(0.0)">
+                                      <p:cBhvr>
+                                        <p:cTn id="6" dur="1" fill="hold"/>
+                                        <p:tgtEl>
+                                          <p:spTgt spid="16"/>
+                                        </p:tgtEl>
+                                      </p:cBhvr>
+                                    </p:cmd>
+                                  </p:childTnLst>
+                                </p:cTn>
+                              </p:par>
+                            </p:childTnLst>
+                          </p:cTn>
+                        </p:par>
+                      </p:childTnLst>
+                    </p:cTn>
+                  </p:par>
+                </p:childTnLst>
+              </p:cTn>
+              <p:prevCondLst>
+                <p:cond evt="onPrev" delay="0">
+                  <p:tgtEl>
+                    <p:sldTgt/>
+                  </p:tgtEl>
+                </p:cond>
+              </p:prevCondLst>
+              <p:nextCondLst>
+                <p:cond evt="onNext" delay="0">
+                  <p:tgtEl>
+                    <p:sldTgt/>
+                  </p:tgtEl>
+                </p:cond>
+              </p:nextCondLst>
+            </p:seq>
+            <p:audio isNarration="1">
+              <p:cMediaNode vol="80000" showWhenStopped="0">
+                <p:cTn id="7" fill="hold" display="0">
+                  <p:stCondLst>
+                    <p:cond delay="indefinite"/>
+                  </p:stCondLst>
+                  <p:endCondLst>
+                    <p:cond evt="onStopAudio" delay="0">
+                      <p:tgtEl>
+                        <p:sldTgt/>
+                      </p:tgtEl>
+                    </p:cond>
+                  </p:endCondLst>
+                </p:cTn>
+                <p:tgtEl>
+                  <p:spTgt spid="16"/>
+                </p:tgtEl>
+              </p:cMediaNode>
+            </p:audio>
+          </p:childTnLst>
+        </p:cTn>
+      </p:par>
+    </p:tnLst>
+  </p:timing>
+</p:sld>
+</file>
+
+<file path=ppt/slides/slide2.xml><?xml version="1.0" encoding="utf-8"?>
+<p:sld xmlns:a="http://schemas.openxmlformats.org/drawingml/2006/main" xmlns:r="http://schemas.openxmlformats.org/officeDocument/2006/relationships" xmlns:p="http://schemas.openxmlformats.org/presentationml/2006/main">
+  <p:cSld>
+    <p:spTree>
+      <p:nvGrpSpPr>
+        <p:cNvPr id="1" name=""/>
+        <p:cNvGrpSpPr/>
+        <p:nvPr/>
+      </p:nvGrpSpPr>
+      <p:grpSpPr>
+        <a:xfrm>
+          <a:off x="0" y="0"/>
+          <a:ext cx="0" cy="0"/>
+          <a:chOff x="0" y="0"/>
+          <a:chExt cx="0" cy="0"/>
+        </a:xfrm>
+      </p:grpSpPr>
+      <p:pic>
+        <p:nvPicPr>
+          <p:cNvPr id="6" name="Picture 5">
+            <a:extLst>
+              <a:ext uri="{FF2B5EF4-FFF2-40B4-BE49-F238E27FC236}">
+                <a16:creationId xmlns:a16="http://schemas.microsoft.com/office/drawing/2014/main" id="{DD0C61F1-6A3B-7484-A9E8-9516887075CA}"/>
+              </a:ext>
+            </a:extLst>
+          </p:cNvPr>
+          <p:cNvPicPr>
+            <a:picLocks noChangeAspect="1"/>
+          </p:cNvPicPr>
+          <p:nvPr/>
+        </p:nvPicPr>
+        <p:blipFill>
+          <a:blip r:embed="rId6"/>
           <a:stretch>
             <a:fillRect/>
           </a:stretch>
@@ -4083,10 +4359,10 @@
           <p:nvPr/>
         </p:nvPicPr>
         <p:blipFill>
-          <a:blip r:embed="rId4">
+          <a:blip r:embed="rId7">
             <a:extLst>
               <a:ext uri="{96DAC541-7B7A-43D3-8B79-37D633B846F1}">
-                <asvg:svgBlip xmlns:asvg="http://schemas.microsoft.com/office/drawing/2016/SVG/main" r:embed="rId5"/>
+                <asvg:svgBlip xmlns:asvg="http://schemas.microsoft.com/office/drawing/2016/SVG/main" r:embed="rId8"/>
               </a:ext>
             </a:extLst>
           </a:blip>
@@ -4119,10 +4395,10 @@
           <p:nvPr/>
         </p:nvPicPr>
         <p:blipFill>
-          <a:blip r:embed="rId6">
+          <a:blip r:embed="rId9">
             <a:extLst>
               <a:ext uri="{96DAC541-7B7A-43D3-8B79-37D633B846F1}">
-                <asvg:svgBlip xmlns:asvg="http://schemas.microsoft.com/office/drawing/2016/SVG/main" r:embed="rId7"/>
+                <asvg:svgBlip xmlns:asvg="http://schemas.microsoft.com/office/drawing/2016/SVG/main" r:embed="rId10"/>
               </a:ext>
             </a:extLst>
           </a:blip>
@@ -4155,10 +4431,10 @@
           <p:nvPr/>
         </p:nvPicPr>
         <p:blipFill>
-          <a:blip r:embed="rId8">
+          <a:blip r:embed="rId11">
             <a:extLst>
               <a:ext uri="{96DAC541-7B7A-43D3-8B79-37D633B846F1}">
-                <asvg:svgBlip xmlns:asvg="http://schemas.microsoft.com/office/drawing/2016/SVG/main" r:embed="rId9"/>
+                <asvg:svgBlip xmlns:asvg="http://schemas.microsoft.com/office/drawing/2016/SVG/main" r:embed="rId12"/>
               </a:ext>
             </a:extLst>
           </a:blip>
@@ -4176,7 +4452,47 @@
           </a:prstGeom>
         </p:spPr>
       </p:pic>
+      <p:pic>
+        <p:nvPicPr>
+          <p:cNvPr id="5" name="Audio 4">
+            <a:extLst>
+              <a:ext uri="{FF2B5EF4-FFF2-40B4-BE49-F238E27FC236}">
+                <a16:creationId xmlns:a16="http://schemas.microsoft.com/office/drawing/2014/main" id="{FD852DAB-4C24-C3CD-ABF8-1CFAB8A7063B}"/>
+              </a:ext>
+            </a:extLst>
+          </p:cNvPr>
+          <p:cNvPicPr>
+            <a:picLocks noChangeAspect="1"/>
+          </p:cNvPicPr>
+          <p:nvPr>
+            <a:audioFile r:link="rId3"/>
+            <p:extLst>
+              <p:ext uri="{DAA4B4D4-6D71-4841-9C94-3DE7FCFB9230}">
+                <p14:media xmlns:p14="http://schemas.microsoft.com/office/powerpoint/2010/main" r:embed="rId2"/>
+              </p:ext>
+            </p:extLst>
+          </p:nvPr>
+        </p:nvPicPr>
+        <p:blipFill>
+          <a:blip r:embed="rId13"/>
+          <a:stretch>
+            <a:fillRect/>
+          </a:stretch>
+        </p:blipFill>
+        <p:spPr>
+          <a:xfrm>
+            <a:off x="11226800" y="5892800"/>
+            <a:ext cx="812800" cy="812800"/>
+          </a:xfrm>
+          <a:prstGeom prst="rect">
+            <a:avLst/>
+          </a:prstGeom>
+        </p:spPr>
+      </p:pic>
     </p:spTree>
+    <p:custDataLst>
+      <p:tags r:id="rId1"/>
+    </p:custDataLst>
     <p:extLst>
       <p:ext uri="{BB962C8B-B14F-4D97-AF65-F5344CB8AC3E}">
         <p14:creationId xmlns:p14="http://schemas.microsoft.com/office/powerpoint/2010/main" val="3241904491"/>
@@ -4186,6 +4502,14 @@
   <p:clrMapOvr>
     <a:masterClrMapping/>
   </p:clrMapOvr>
+  <mc:AlternateContent xmlns:mc="http://schemas.openxmlformats.org/markup-compatibility/2006">
+    <mc:Choice xmlns:p14="http://schemas.microsoft.com/office/powerpoint/2010/main" Requires="p14">
+      <p:transition spd="slow" p14:dur="2000" advTm="35605"/>
+    </mc:Choice>
+    <mc:Fallback>
+      <p:transition spd="slow" advTm="35605"/>
+    </mc:Fallback>
+  </mc:AlternateContent>
   <p:timing>
     <p:tnLst>
       <p:par>
@@ -4198,6 +4522,9 @@
                     <p:cTn id="3" fill="hold">
                       <p:stCondLst>
                         <p:cond delay="indefinite"/>
+                        <p:cond evt="onBegin" delay="0">
+                          <p:tn val="2"/>
+                        </p:cond>
                       </p:stCondLst>
                       <p:childTnLst>
                         <p:par>
@@ -4207,29 +4534,19 @@
                             </p:stCondLst>
                             <p:childTnLst>
                               <p:par>
-                                <p:cTn id="5" presetID="1" presetClass="entr" presetSubtype="0" fill="hold" nodeType="clickEffect">
+                                <p:cTn id="5" presetID="1" presetClass="mediacall" presetSubtype="0" fill="hold" nodeType="afterEffect">
                                   <p:stCondLst>
                                     <p:cond delay="0"/>
                                   </p:stCondLst>
                                   <p:childTnLst>
-                                    <p:set>
+                                    <p:cmd type="call" cmd="playFrom(0.0)">
                                       <p:cBhvr>
-                                        <p:cTn id="6" dur="1" fill="hold">
-                                          <p:stCondLst>
-                                            <p:cond delay="0"/>
-                                          </p:stCondLst>
-                                        </p:cTn>
+                                        <p:cTn id="6" dur="1" fill="hold"/>
                                         <p:tgtEl>
-                                          <p:spTgt spid="6"/>
+                                          <p:spTgt spid="5"/>
                                         </p:tgtEl>
-                                        <p:attrNameLst>
-                                          <p:attrName>style.visibility</p:attrName>
-                                        </p:attrNameLst>
                                       </p:cBhvr>
-                                      <p:to>
-                                        <p:strVal val="visible"/>
-                                      </p:to>
-                                    </p:set>
+                                    </p:cmd>
                                   </p:childTnLst>
                                 </p:cTn>
                               </p:par>
@@ -4265,7 +4582,7 @@
                                           </p:stCondLst>
                                         </p:cTn>
                                         <p:tgtEl>
-                                          <p:spTgt spid="8"/>
+                                          <p:spTgt spid="6"/>
                                         </p:tgtEl>
                                         <p:attrNameLst>
                                           <p:attrName>style.visibility</p:attrName>
@@ -4297,7 +4614,7 @@
                             </p:stCondLst>
                             <p:childTnLst>
                               <p:par>
-                                <p:cTn id="13" presetID="1" presetClass="exit" presetSubtype="0" fill="hold" nodeType="clickEffect">
+                                <p:cTn id="13" presetID="1" presetClass="entr" presetSubtype="0" fill="hold" nodeType="clickEffect">
                                   <p:stCondLst>
                                     <p:cond delay="0"/>
                                   </p:stCondLst>
@@ -4317,6 +4634,51 @@
                                         </p:attrNameLst>
                                       </p:cBhvr>
                                       <p:to>
+                                        <p:strVal val="visible"/>
+                                      </p:to>
+                                    </p:set>
+                                  </p:childTnLst>
+                                </p:cTn>
+                              </p:par>
+                            </p:childTnLst>
+                          </p:cTn>
+                        </p:par>
+                      </p:childTnLst>
+                    </p:cTn>
+                  </p:par>
+                  <p:par>
+                    <p:cTn id="15" fill="hold">
+                      <p:stCondLst>
+                        <p:cond delay="indefinite"/>
+                      </p:stCondLst>
+                      <p:childTnLst>
+                        <p:par>
+                          <p:cTn id="16" fill="hold">
+                            <p:stCondLst>
+                              <p:cond delay="0"/>
+                            </p:stCondLst>
+                            <p:childTnLst>
+                              <p:par>
+                                <p:cTn id="17" presetID="1" presetClass="exit" presetSubtype="0" fill="hold" nodeType="clickEffect">
+                                  <p:stCondLst>
+                                    <p:cond delay="0"/>
+                                  </p:stCondLst>
+                                  <p:childTnLst>
+                                    <p:set>
+                                      <p:cBhvr>
+                                        <p:cTn id="18" dur="1" fill="hold">
+                                          <p:stCondLst>
+                                            <p:cond delay="0"/>
+                                          </p:stCondLst>
+                                        </p:cTn>
+                                        <p:tgtEl>
+                                          <p:spTgt spid="8"/>
+                                        </p:tgtEl>
+                                        <p:attrNameLst>
+                                          <p:attrName>style.visibility</p:attrName>
+                                        </p:attrNameLst>
+                                      </p:cBhvr>
+                                      <p:to>
                                         <p:strVal val="hidden"/>
                                       </p:to>
                                     </p:set>
@@ -4324,14 +4686,14 @@
                                 </p:cTn>
                               </p:par>
                               <p:par>
-                                <p:cTn id="15" presetID="1" presetClass="entr" presetSubtype="0" fill="hold" nodeType="withEffect">
+                                <p:cTn id="19" presetID="1" presetClass="entr" presetSubtype="0" fill="hold" nodeType="withEffect">
                                   <p:stCondLst>
                                     <p:cond delay="0"/>
                                   </p:stCondLst>
                                   <p:childTnLst>
                                     <p:set>
                                       <p:cBhvr>
-                                        <p:cTn id="16" dur="1" fill="hold">
+                                        <p:cTn id="20" dur="1" fill="hold">
                                           <p:stCondLst>
                                             <p:cond delay="0"/>
                                           </p:stCondLst>
@@ -4357,26 +4719,26 @@
                     </p:cTn>
                   </p:par>
                   <p:par>
-                    <p:cTn id="17" fill="hold">
+                    <p:cTn id="21" fill="hold">
                       <p:stCondLst>
                         <p:cond delay="indefinite"/>
                       </p:stCondLst>
                       <p:childTnLst>
                         <p:par>
-                          <p:cTn id="18" fill="hold">
+                          <p:cTn id="22" fill="hold">
                             <p:stCondLst>
                               <p:cond delay="0"/>
                             </p:stCondLst>
                             <p:childTnLst>
                               <p:par>
-                                <p:cTn id="19" presetID="1" presetClass="exit" presetSubtype="0" fill="hold" nodeType="clickEffect">
+                                <p:cTn id="23" presetID="1" presetClass="exit" presetSubtype="0" fill="hold" nodeType="clickEffect">
                                   <p:stCondLst>
                                     <p:cond delay="0"/>
                                   </p:stCondLst>
                                   <p:childTnLst>
                                     <p:set>
                                       <p:cBhvr>
-                                        <p:cTn id="20" dur="1" fill="hold">
+                                        <p:cTn id="24" dur="1" fill="hold">
                                           <p:stCondLst>
                                             <p:cond delay="0"/>
                                           </p:stCondLst>
@@ -4396,14 +4758,14 @@
                                 </p:cTn>
                               </p:par>
                               <p:par>
-                                <p:cTn id="21" presetID="1" presetClass="entr" presetSubtype="0" fill="hold" nodeType="withEffect">
+                                <p:cTn id="25" presetID="1" presetClass="entr" presetSubtype="0" fill="hold" nodeType="withEffect">
                                   <p:stCondLst>
                                     <p:cond delay="0"/>
                                   </p:stCondLst>
                                   <p:childTnLst>
                                     <p:set>
                                       <p:cBhvr>
-                                        <p:cTn id="22" dur="1" fill="hold">
+                                        <p:cTn id="26" dur="1" fill="hold">
                                           <p:stCondLst>
                                             <p:cond delay="0"/>
                                           </p:stCondLst>
@@ -4445,12 +4807,37 @@
                 </p:cond>
               </p:nextCondLst>
             </p:seq>
+            <p:audio isNarration="1">
+              <p:cMediaNode vol="80000" showWhenStopped="0">
+                <p:cTn id="27" fill="hold" display="0">
+                  <p:stCondLst>
+                    <p:cond delay="indefinite"/>
+                  </p:stCondLst>
+                  <p:endCondLst>
+                    <p:cond evt="onStopAudio" delay="0">
+                      <p:tgtEl>
+                        <p:sldTgt/>
+                      </p:tgtEl>
+                    </p:cond>
+                  </p:endCondLst>
+                </p:cTn>
+                <p:tgtEl>
+                  <p:spTgt spid="5"/>
+                </p:tgtEl>
+              </p:cMediaNode>
+            </p:audio>
           </p:childTnLst>
         </p:cTn>
       </p:par>
     </p:tnLst>
   </p:timing>
 </p:sld>
+</file>
+
+<file path=ppt/tags/tag1.xml><?xml version="1.0" encoding="utf-8"?>
+<p:tagLst xmlns:a="http://schemas.openxmlformats.org/drawingml/2006/main" xmlns:r="http://schemas.openxmlformats.org/officeDocument/2006/relationships" xmlns:p="http://schemas.openxmlformats.org/presentationml/2006/main">
+  <p:tag name="TIMING" val="|2.8|10.8|4.5|10.9"/>
+</p:tagLst>
 </file>
 
 <file path=ppt/theme/theme1.xml><?xml version="1.0" encoding="utf-8"?>
